--- a/lectures/java课程-类、对象与UML.pptx
+++ b/lectures/java课程-类、对象与UML.pptx
@@ -280,7 +280,7 @@
           <a:p>
             <a:fld id="{4041651B-3671-4955-8B9A-6DCBFEBFD032}" type="datetimeFigureOut">
               <a:rPr lang="zh-CN" altLang="en-US" smtClean="0"/>
-              <a:t>2017/6/26</a:t>
+              <a:t>2017/7/27</a:t>
             </a:fld>
             <a:endParaRPr lang="zh-CN" altLang="en-US"/>
           </a:p>
@@ -448,7 +448,7 @@
           <a:p>
             <a:fld id="{4041651B-3671-4955-8B9A-6DCBFEBFD032}" type="datetimeFigureOut">
               <a:rPr lang="zh-CN" altLang="en-US" smtClean="0"/>
-              <a:t>2017/6/26</a:t>
+              <a:t>2017/7/27</a:t>
             </a:fld>
             <a:endParaRPr lang="zh-CN" altLang="en-US"/>
           </a:p>
@@ -626,7 +626,7 @@
           <a:p>
             <a:fld id="{4041651B-3671-4955-8B9A-6DCBFEBFD032}" type="datetimeFigureOut">
               <a:rPr lang="zh-CN" altLang="en-US" smtClean="0"/>
-              <a:t>2017/6/26</a:t>
+              <a:t>2017/7/27</a:t>
             </a:fld>
             <a:endParaRPr lang="zh-CN" altLang="en-US"/>
           </a:p>
@@ -794,7 +794,7 @@
           <a:p>
             <a:fld id="{4041651B-3671-4955-8B9A-6DCBFEBFD032}" type="datetimeFigureOut">
               <a:rPr lang="zh-CN" altLang="en-US" smtClean="0"/>
-              <a:t>2017/6/26</a:t>
+              <a:t>2017/7/27</a:t>
             </a:fld>
             <a:endParaRPr lang="zh-CN" altLang="en-US"/>
           </a:p>
@@ -1039,7 +1039,7 @@
           <a:p>
             <a:fld id="{4041651B-3671-4955-8B9A-6DCBFEBFD032}" type="datetimeFigureOut">
               <a:rPr lang="zh-CN" altLang="en-US" smtClean="0"/>
-              <a:t>2017/6/26</a:t>
+              <a:t>2017/7/27</a:t>
             </a:fld>
             <a:endParaRPr lang="zh-CN" altLang="en-US"/>
           </a:p>
@@ -1268,7 +1268,7 @@
           <a:p>
             <a:fld id="{4041651B-3671-4955-8B9A-6DCBFEBFD032}" type="datetimeFigureOut">
               <a:rPr lang="zh-CN" altLang="en-US" smtClean="0"/>
-              <a:t>2017/6/26</a:t>
+              <a:t>2017/7/27</a:t>
             </a:fld>
             <a:endParaRPr lang="zh-CN" altLang="en-US"/>
           </a:p>
@@ -1632,7 +1632,7 @@
           <a:p>
             <a:fld id="{4041651B-3671-4955-8B9A-6DCBFEBFD032}" type="datetimeFigureOut">
               <a:rPr lang="zh-CN" altLang="en-US" smtClean="0"/>
-              <a:t>2017/6/26</a:t>
+              <a:t>2017/7/27</a:t>
             </a:fld>
             <a:endParaRPr lang="zh-CN" altLang="en-US"/>
           </a:p>
@@ -1749,7 +1749,7 @@
           <a:p>
             <a:fld id="{4041651B-3671-4955-8B9A-6DCBFEBFD032}" type="datetimeFigureOut">
               <a:rPr lang="zh-CN" altLang="en-US" smtClean="0"/>
-              <a:t>2017/6/26</a:t>
+              <a:t>2017/7/27</a:t>
             </a:fld>
             <a:endParaRPr lang="zh-CN" altLang="en-US"/>
           </a:p>
@@ -1844,7 +1844,7 @@
           <a:p>
             <a:fld id="{4041651B-3671-4955-8B9A-6DCBFEBFD032}" type="datetimeFigureOut">
               <a:rPr lang="zh-CN" altLang="en-US" smtClean="0"/>
-              <a:t>2017/6/26</a:t>
+              <a:t>2017/7/27</a:t>
             </a:fld>
             <a:endParaRPr lang="zh-CN" altLang="en-US"/>
           </a:p>
@@ -2119,7 +2119,7 @@
           <a:p>
             <a:fld id="{4041651B-3671-4955-8B9A-6DCBFEBFD032}" type="datetimeFigureOut">
               <a:rPr lang="zh-CN" altLang="en-US" smtClean="0"/>
-              <a:t>2017/6/26</a:t>
+              <a:t>2017/7/27</a:t>
             </a:fld>
             <a:endParaRPr lang="zh-CN" altLang="en-US"/>
           </a:p>
@@ -2371,7 +2371,7 @@
           <a:p>
             <a:fld id="{4041651B-3671-4955-8B9A-6DCBFEBFD032}" type="datetimeFigureOut">
               <a:rPr lang="zh-CN" altLang="en-US" smtClean="0"/>
-              <a:t>2017/6/26</a:t>
+              <a:t>2017/7/27</a:t>
             </a:fld>
             <a:endParaRPr lang="zh-CN" altLang="en-US"/>
           </a:p>
@@ -2582,7 +2582,7 @@
           <a:p>
             <a:fld id="{4041651B-3671-4955-8B9A-6DCBFEBFD032}" type="datetimeFigureOut">
               <a:rPr lang="zh-CN" altLang="en-US" smtClean="0"/>
-              <a:t>2017/6/26</a:t>
+              <a:t>2017/7/27</a:t>
             </a:fld>
             <a:endParaRPr lang="zh-CN" altLang="en-US"/>
           </a:p>
@@ -3269,17 +3269,7 @@
                 <a:latin typeface="微软雅黑" panose="020B0503020204020204" pitchFamily="34" charset="-122"/>
                 <a:ea typeface="微软雅黑" panose="020B0503020204020204" pitchFamily="34" charset="-122"/>
               </a:rPr>
-              <a:t>类、对象</a:t>
-            </a:r>
-            <a:r>
-              <a:rPr lang="zh-CN" altLang="en-US" sz="5067" dirty="0" smtClean="0">
-                <a:solidFill>
-                  <a:srgbClr val="0070C0"/>
-                </a:solidFill>
-                <a:latin typeface="微软雅黑" panose="020B0503020204020204" pitchFamily="34" charset="-122"/>
-                <a:ea typeface="微软雅黑" panose="020B0503020204020204" pitchFamily="34" charset="-122"/>
-              </a:rPr>
-              <a:t>与</a:t>
+              <a:t>类、对象与</a:t>
             </a:r>
             <a:r>
               <a:rPr lang="en-US" altLang="zh-CN" sz="5067" dirty="0" smtClean="0">
@@ -3343,18 +3333,7 @@
                 <a:ea typeface="微软雅黑" panose="020B0503020204020204" pitchFamily="34" charset="-122"/>
                 <a:cs typeface="Arial" panose="020B0604020202020204" pitchFamily="34" charset="0"/>
               </a:rPr>
-              <a:t>中级编程 </a:t>
-            </a:r>
-            <a:r>
-              <a:rPr lang="zh-CN" altLang="en-US" sz="1191" dirty="0" smtClean="0">
-                <a:solidFill>
-                  <a:srgbClr val="5F5F5F"/>
-                </a:solidFill>
-                <a:latin typeface="微软雅黑" panose="020B0503020204020204" pitchFamily="34" charset="-122"/>
-                <a:ea typeface="微软雅黑" panose="020B0503020204020204" pitchFamily="34" charset="-122"/>
-                <a:cs typeface="Arial" panose="020B0604020202020204" pitchFamily="34" charset="0"/>
-              </a:rPr>
-              <a:t>第一课</a:t>
+              <a:t>中级编程 第一课</a:t>
             </a:r>
             <a:endParaRPr lang="en-US" altLang="zh-CN" sz="1191" dirty="0">
               <a:solidFill>
@@ -3988,11 +3967,7 @@
           <a:p>
             <a:r>
               <a:rPr lang="en-US" altLang="zh-CN" sz="1600" dirty="0"/>
-              <a:t> </a:t>
-            </a:r>
-            <a:r>
-              <a:rPr lang="en-US" altLang="zh-CN" sz="1600" dirty="0"/>
-              <a:t> </a:t>
+              <a:t>  </a:t>
             </a:r>
             <a:r>
               <a:rPr lang="en-US" altLang="zh-CN" sz="1600" dirty="0" smtClean="0"/>
@@ -4094,7 +4069,7 @@
         <p:spPr>
           <a:xfrm>
             <a:off x="3839750" y="1587129"/>
-            <a:ext cx="6991005" cy="2862322"/>
+            <a:ext cx="6991005" cy="2246769"/>
           </a:xfrm>
           <a:prstGeom prst="rect">
             <a:avLst/>
@@ -4153,48 +4128,6 @@
             <a:endParaRPr lang="en-US" altLang="zh-CN" sz="2000" dirty="0" smtClean="0"/>
           </a:p>
           <a:p>
-            <a:pPr marL="342900" indent="-342900">
-              <a:buFont typeface="Arial" panose="020B0604020202020204" pitchFamily="34" charset="0"/>
-              <a:buChar char="•"/>
-            </a:pPr>
-            <a:endParaRPr lang="en-US" altLang="zh-CN" sz="2000" dirty="0"/>
-          </a:p>
-          <a:p>
-            <a:pPr marL="342900" indent="-342900">
-              <a:buFont typeface="Arial" panose="020B0604020202020204" pitchFamily="34" charset="0"/>
-              <a:buChar char="•"/>
-            </a:pPr>
-            <a:r>
-              <a:rPr lang="en-US" altLang="zh-CN" sz="2000" dirty="0" smtClean="0"/>
-              <a:t>Lab </a:t>
-            </a:r>
-            <a:r>
-              <a:rPr lang="en-US" altLang="zh-CN" sz="2000" dirty="0"/>
-              <a:t>3 </a:t>
-            </a:r>
-            <a:r>
-              <a:rPr lang="zh-CN" altLang="en-US" sz="2000" dirty="0" smtClean="0"/>
-              <a:t>和</a:t>
-            </a:r>
-            <a:r>
-              <a:rPr lang="en-US" altLang="zh-CN" sz="2000" dirty="0" smtClean="0"/>
-              <a:t> </a:t>
-            </a:r>
-            <a:r>
-              <a:rPr lang="en-US" altLang="zh-CN" sz="2000" dirty="0"/>
-              <a:t>project 1</a:t>
-            </a:r>
-            <a:r>
-              <a:rPr lang="zh-CN" altLang="en-US" sz="2000" dirty="0" smtClean="0"/>
-              <a:t> 这周做出来</a:t>
-            </a:r>
-            <a:endParaRPr lang="en-US" altLang="zh-CN" sz="2000" dirty="0" smtClean="0"/>
-          </a:p>
-          <a:p>
-            <a:pPr marL="342900" indent="-342900">
-              <a:buFont typeface="Arial" panose="020B0604020202020204" pitchFamily="34" charset="0"/>
-              <a:buChar char="•"/>
-            </a:pPr>
             <a:endParaRPr lang="en-US" altLang="zh-CN" sz="2000" dirty="0"/>
           </a:p>
           <a:p>
@@ -4617,7 +4550,6 @@
               <a:rPr lang="en-US" altLang="zh-CN" sz="2000" dirty="0"/>
               <a:t>(): String</a:t>
             </a:r>
-            <a:endParaRPr lang="en-US" altLang="zh-CN" sz="2000" dirty="0"/>
           </a:p>
           <a:p>
             <a:pPr marL="342900" indent="-342900">
@@ -5001,7 +4933,6 @@
               <a:rPr lang="en-US" altLang="zh-CN" sz="2000" dirty="0" smtClean="0"/>
               <a:t>public</a:t>
             </a:r>
-            <a:endParaRPr lang="en-US" altLang="zh-CN" sz="2000" dirty="0" smtClean="0"/>
           </a:p>
           <a:p>
             <a:pPr marL="342900" indent="-342900">
@@ -5027,7 +4958,6 @@
               <a:rPr lang="en-US" altLang="zh-CN" sz="2000" dirty="0" smtClean="0"/>
               <a:t>private</a:t>
             </a:r>
-            <a:endParaRPr lang="en-US" altLang="zh-CN" sz="2000" dirty="0" smtClean="0"/>
           </a:p>
           <a:p>
             <a:pPr marL="342900" indent="-342900">
@@ -5814,13 +5744,6 @@
               </a:rPr>
               <a:t>数据</a:t>
             </a:r>
-            <a:endParaRPr lang="zh-CN" altLang="en-US" sz="3333" dirty="0">
-              <a:solidFill>
-                <a:srgbClr val="333333"/>
-              </a:solidFill>
-              <a:latin typeface="微软雅黑" panose="020B0503020204020204" pitchFamily="34" charset="-122"/>
-              <a:ea typeface="微软雅黑" panose="020B0503020204020204" pitchFamily="34" charset="-122"/>
-            </a:endParaRPr>
           </a:p>
         </p:txBody>
       </p:sp>
@@ -6221,13 +6144,6 @@
               </a:rPr>
               <a:t>数据</a:t>
             </a:r>
-            <a:endParaRPr lang="zh-CN" altLang="en-US" sz="3333" dirty="0">
-              <a:solidFill>
-                <a:srgbClr val="333333"/>
-              </a:solidFill>
-              <a:latin typeface="微软雅黑" panose="020B0503020204020204" pitchFamily="34" charset="-122"/>
-              <a:ea typeface="微软雅黑" panose="020B0503020204020204" pitchFamily="34" charset="-122"/>
-            </a:endParaRPr>
           </a:p>
         </p:txBody>
       </p:sp>
@@ -6317,7 +6233,11 @@
               <a:t>所有的实例变量都为</a:t>
             </a:r>
             <a:r>
-              <a:rPr lang="en-US" altLang="zh-CN" sz="2000" dirty="0" smtClean="0"/>
+              <a:rPr lang="en-US" altLang="zh-CN" sz="2000" dirty="0" smtClean="0">
+                <a:solidFill>
+                  <a:srgbClr val="FF0000"/>
+                </a:solidFill>
+              </a:rPr>
               <a:t>private</a:t>
             </a:r>
             <a:r>
@@ -6325,7 +6245,11 @@
               <a:t>或者</a:t>
             </a:r>
             <a:r>
-              <a:rPr lang="en-US" altLang="zh-CN" sz="2000" dirty="0" smtClean="0"/>
+              <a:rPr lang="en-US" altLang="zh-CN" sz="2000" dirty="0" smtClean="0">
+                <a:solidFill>
+                  <a:srgbClr val="FF0000"/>
+                </a:solidFill>
+              </a:rPr>
               <a:t>protected</a:t>
             </a:r>
           </a:p>
@@ -6342,7 +6266,11 @@
               <a:t>所有实例变量的外部访问都通过</a:t>
             </a:r>
             <a:r>
-              <a:rPr lang="en-US" altLang="zh-CN" sz="2000" dirty="0" smtClean="0"/>
+              <a:rPr lang="en-US" altLang="zh-CN" sz="2000" dirty="0" smtClean="0">
+                <a:solidFill>
+                  <a:srgbClr val="FF0000"/>
+                </a:solidFill>
+              </a:rPr>
               <a:t>public</a:t>
             </a:r>
             <a:r>
@@ -7027,7 +6955,7 @@
         <p:spPr>
           <a:xfrm>
             <a:off x="2593570" y="1686881"/>
-            <a:ext cx="6991005" cy="2554545"/>
+            <a:ext cx="6991005" cy="2739211"/>
           </a:xfrm>
           <a:prstGeom prst="rect">
             <a:avLst/>
@@ -7043,10 +6971,18 @@
           <a:lstStyle/>
           <a:p>
             <a:r>
-              <a:rPr lang="zh-CN" altLang="en-US" sz="2000" dirty="0" smtClean="0"/>
+              <a:rPr lang="zh-CN" altLang="en-US" sz="3200" dirty="0" smtClean="0">
+                <a:solidFill>
+                  <a:srgbClr val="FF0000"/>
+                </a:solidFill>
+              </a:rPr>
               <a:t>类：创建新类型的方式</a:t>
             </a:r>
-            <a:endParaRPr lang="en-US" altLang="zh-CN" sz="2000" dirty="0" smtClean="0"/>
+            <a:endParaRPr lang="en-US" altLang="zh-CN" sz="3200" dirty="0" smtClean="0">
+              <a:solidFill>
+                <a:srgbClr val="FF0000"/>
+              </a:solidFill>
+            </a:endParaRPr>
           </a:p>
           <a:p>
             <a:pPr marL="171450" indent="-171450">
@@ -7091,9 +7027,33 @@
             </a:r>
             <a:r>
               <a:rPr lang="zh-CN" altLang="en-US" sz="2000" dirty="0" smtClean="0"/>
-              <a:t>数据元素可以是基本类型和对象类型</a:t>
-            </a:r>
-            <a:endParaRPr lang="en-US" altLang="zh-CN" sz="2000" dirty="0" smtClean="0"/>
+              <a:t>数据元素可以是</a:t>
+            </a:r>
+            <a:r>
+              <a:rPr lang="zh-CN" altLang="en-US" sz="2000" dirty="0" smtClean="0">
+                <a:solidFill>
+                  <a:srgbClr val="FF0000"/>
+                </a:solidFill>
+              </a:rPr>
+              <a:t>基本类型</a:t>
+            </a:r>
+            <a:r>
+              <a:rPr lang="zh-CN" altLang="en-US" sz="2000" dirty="0" smtClean="0"/>
+              <a:t>和</a:t>
+            </a:r>
+            <a:r>
+              <a:rPr lang="zh-CN" altLang="en-US" sz="2000" dirty="0" smtClean="0">
+                <a:solidFill>
+                  <a:srgbClr val="FF0000"/>
+                </a:solidFill>
+              </a:rPr>
+              <a:t>对象类型</a:t>
+            </a:r>
+            <a:endParaRPr lang="en-US" altLang="zh-CN" sz="2000" dirty="0" smtClean="0">
+              <a:solidFill>
+                <a:srgbClr val="FF0000"/>
+              </a:solidFill>
+            </a:endParaRPr>
           </a:p>
           <a:p>
             <a:endParaRPr lang="en-US" altLang="zh-CN" sz="2000" dirty="0"/>
@@ -7304,13 +7264,6 @@
               </a:rPr>
               <a:t>示例</a:t>
             </a:r>
-            <a:endParaRPr lang="zh-CN" altLang="en-US" sz="3333" dirty="0">
-              <a:solidFill>
-                <a:srgbClr val="333333"/>
-              </a:solidFill>
-              <a:latin typeface="微软雅黑" panose="020B0503020204020204" pitchFamily="34" charset="-122"/>
-              <a:ea typeface="微软雅黑" panose="020B0503020204020204" pitchFamily="34" charset="-122"/>
-            </a:endParaRPr>
           </a:p>
         </p:txBody>
       </p:sp>
@@ -7376,11 +7329,15 @@
           <a:p>
             <a:r>
               <a:rPr lang="zh-CN" altLang="en-US" sz="2000" dirty="0" smtClean="0"/>
-              <a:t>假设我们想要设计一个记录笔记的应用</a:t>
+              <a:t>假设我们想要设计一</a:t>
             </a:r>
             <a:r>
               <a:rPr lang="zh-CN" altLang="en-US" sz="2000" dirty="0" smtClean="0"/>
-              <a:t>？</a:t>
+              <a:t>个记录笔记的</a:t>
+            </a:r>
+            <a:r>
+              <a:rPr lang="zh-CN" altLang="en-US" sz="2000" dirty="0" smtClean="0"/>
+              <a:t>应用？</a:t>
             </a:r>
             <a:endParaRPr lang="en-US" altLang="zh-CN" sz="2000" dirty="0" smtClean="0"/>
           </a:p>
@@ -7640,13 +7597,6 @@
               </a:rPr>
               <a:t>示例</a:t>
             </a:r>
-            <a:endParaRPr lang="zh-CN" altLang="en-US" sz="3333" dirty="0">
-              <a:solidFill>
-                <a:srgbClr val="333333"/>
-              </a:solidFill>
-              <a:latin typeface="微软雅黑" panose="020B0503020204020204" pitchFamily="34" charset="-122"/>
-              <a:ea typeface="微软雅黑" panose="020B0503020204020204" pitchFamily="34" charset="-122"/>
-            </a:endParaRPr>
           </a:p>
         </p:txBody>
       </p:sp>
@@ -8008,7 +7958,11 @@
           <a:p>
             <a:r>
               <a:rPr lang="zh-CN" altLang="en-US" sz="2000" dirty="0" smtClean="0"/>
-              <a:t>类的所有实例只有这类型变量的一个拷贝？</a:t>
+              <a:t>类的所有实例只有这类型变量的一个</a:t>
+            </a:r>
+            <a:r>
+              <a:rPr lang="zh-CN" altLang="en-US" sz="2000" dirty="0" smtClean="0"/>
+              <a:t>拷贝</a:t>
             </a:r>
             <a:endParaRPr lang="en-US" altLang="zh-CN" sz="2000" dirty="0" smtClean="0"/>
           </a:p>
@@ -8052,8 +8006,16 @@
               <a:t>	private </a:t>
             </a:r>
             <a:r>
+              <a:rPr lang="en-US" altLang="zh-CN" sz="2000" dirty="0">
+                <a:solidFill>
+                  <a:srgbClr val="FF0000"/>
+                </a:solidFill>
+              </a:rPr>
+              <a:t>static</a:t>
+            </a:r>
+            <a:r>
               <a:rPr lang="en-US" altLang="zh-CN" sz="2000" dirty="0"/>
-              <a:t>static final </a:t>
+              <a:t> final </a:t>
             </a:r>
             <a:r>
               <a:rPr lang="en-US" altLang="zh-CN" sz="2000" dirty="0" err="1"/>
@@ -8084,8 +8046,16 @@
               <a:t>	private </a:t>
             </a:r>
             <a:r>
+              <a:rPr lang="en-US" altLang="zh-CN" sz="2000" dirty="0">
+                <a:solidFill>
+                  <a:srgbClr val="FF0000"/>
+                </a:solidFill>
+              </a:rPr>
+              <a:t>static</a:t>
+            </a:r>
+            <a:r>
               <a:rPr lang="en-US" altLang="zh-CN" sz="2000" dirty="0"/>
-              <a:t>static </a:t>
+              <a:t> </a:t>
             </a:r>
             <a:r>
               <a:rPr lang="en-US" altLang="zh-CN" sz="2000" dirty="0" err="1"/>
@@ -8096,12 +8066,16 @@
               <a:t> </a:t>
             </a:r>
             <a:r>
-              <a:rPr lang="en-US" altLang="zh-CN" sz="2000" dirty="0" err="1"/>
+              <a:rPr lang="en-US" altLang="zh-CN" sz="2000" dirty="0" err="1" smtClean="0"/>
               <a:t>numNotes</a:t>
             </a:r>
             <a:r>
+              <a:rPr lang="en-US" altLang="zh-CN" sz="2000" dirty="0" smtClean="0"/>
+              <a:t> </a:t>
+            </a:r>
+            <a:r>
               <a:rPr lang="en-US" altLang="zh-CN" sz="2000" dirty="0"/>
-              <a:t> = 0; </a:t>
+              <a:t>= 0; </a:t>
             </a:r>
             <a:endParaRPr lang="en-US" altLang="zh-CN" sz="2000" dirty="0" smtClean="0"/>
           </a:p>
@@ -8363,7 +8337,7 @@
         <p:spPr>
           <a:xfrm>
             <a:off x="3254067" y="1361666"/>
-            <a:ext cx="6991005" cy="2554545"/>
+            <a:ext cx="6991005" cy="1938992"/>
           </a:xfrm>
           <a:prstGeom prst="rect">
             <a:avLst/>
@@ -8378,16 +8352,6 @@
           </a:bodyPr>
           <a:lstStyle/>
           <a:p>
-            <a:r>
-              <a:rPr lang="zh-CN" altLang="en-US" sz="2000" dirty="0" smtClean="0"/>
-              <a:t>类的所有实例只有这类型变量的一个拷贝？</a:t>
-            </a:r>
-            <a:endParaRPr lang="en-US" altLang="zh-CN" sz="2000" dirty="0" smtClean="0"/>
-          </a:p>
-          <a:p>
-            <a:endParaRPr lang="en-US" altLang="zh-CN" sz="2000" dirty="0"/>
-          </a:p>
-          <a:p>
             <a:pPr marL="342900" indent="-342900">
               <a:lnSpc>
                 <a:spcPct val="150000"/>
@@ -8412,8 +8376,16 @@
               <a:t>中使用</a:t>
             </a:r>
             <a:r>
+              <a:rPr lang="en-US" altLang="zh-CN" sz="2000" dirty="0" smtClean="0">
+                <a:solidFill>
+                  <a:srgbClr val="FF0000"/>
+                </a:solidFill>
+              </a:rPr>
+              <a:t>static</a:t>
+            </a:r>
+            <a:r>
               <a:rPr lang="en-US" altLang="zh-CN" sz="2000" dirty="0" smtClean="0"/>
-              <a:t>static </a:t>
+              <a:t> </a:t>
             </a:r>
             <a:r>
               <a:rPr lang="zh-CN" altLang="en-US" sz="2000" dirty="0" smtClean="0"/>
@@ -9078,10 +9050,18 @@
               <a:buChar char="•"/>
             </a:pPr>
             <a:r>
-              <a:rPr lang="zh-CN" altLang="en-US" sz="1400" dirty="0" smtClean="0"/>
+              <a:rPr lang="zh-CN" altLang="en-US" sz="1400" dirty="0" smtClean="0">
+                <a:solidFill>
+                  <a:srgbClr val="FF0000"/>
+                </a:solidFill>
+              </a:rPr>
               <a:t>没有对象，也就没有实例数据</a:t>
             </a:r>
-            <a:endParaRPr lang="en-US" altLang="zh-CN" sz="1400" dirty="0"/>
+            <a:endParaRPr lang="en-US" altLang="zh-CN" sz="1400" dirty="0">
+              <a:solidFill>
+                <a:srgbClr val="FF0000"/>
+              </a:solidFill>
+            </a:endParaRPr>
           </a:p>
           <a:p>
             <a:pPr marL="342900" indent="-342900">
@@ -9374,8 +9354,8 @@
         </p:nvSpPr>
         <p:spPr>
           <a:xfrm>
-            <a:off x="3254067" y="1361666"/>
-            <a:ext cx="6991005" cy="1631216"/>
+            <a:off x="3719579" y="1694175"/>
+            <a:ext cx="6991005" cy="2677656"/>
           </a:xfrm>
           <a:prstGeom prst="rect">
             <a:avLst/>
@@ -9394,14 +9374,56 @@
               <a:buFont typeface="Arial" panose="020B0604020202020204" pitchFamily="34" charset="0"/>
               <a:buChar char="•"/>
             </a:pPr>
-            <a:r>
-              <a:rPr lang="zh-CN" altLang="en-US" sz="2000" dirty="0" smtClean="0"/>
-              <a:t>总是在一个对象实例上调用</a:t>
-            </a:r>
-            <a:endParaRPr lang="en-US" altLang="zh-CN" sz="2000" dirty="0" smtClean="0"/>
-          </a:p>
-          <a:p>
-            <a:endParaRPr lang="en-US" altLang="zh-CN" sz="2000" dirty="0"/>
+            <a:endParaRPr lang="en-US" altLang="zh-CN" sz="2000" dirty="0" smtClean="0">
+              <a:solidFill>
+                <a:srgbClr val="FF0000"/>
+              </a:solidFill>
+            </a:endParaRPr>
+          </a:p>
+          <a:p>
+            <a:pPr marL="342900" indent="-342900">
+              <a:buFont typeface="Arial" panose="020B0604020202020204" pitchFamily="34" charset="0"/>
+              <a:buChar char="•"/>
+            </a:pPr>
+            <a:endParaRPr lang="en-US" altLang="zh-CN" sz="2000" dirty="0">
+              <a:solidFill>
+                <a:srgbClr val="FF0000"/>
+              </a:solidFill>
+            </a:endParaRPr>
+          </a:p>
+          <a:p>
+            <a:pPr marL="342900" indent="-342900">
+              <a:buFont typeface="Arial" panose="020B0604020202020204" pitchFamily="34" charset="0"/>
+              <a:buChar char="•"/>
+            </a:pPr>
+            <a:r>
+              <a:rPr lang="zh-CN" altLang="en-US" sz="2800" dirty="0" smtClean="0">
+                <a:solidFill>
+                  <a:srgbClr val="FF0000"/>
+                </a:solidFill>
+              </a:rPr>
+              <a:t>总是</a:t>
+            </a:r>
+            <a:r>
+              <a:rPr lang="zh-CN" altLang="en-US" sz="2800" dirty="0" smtClean="0">
+                <a:solidFill>
+                  <a:srgbClr val="FF0000"/>
+                </a:solidFill>
+              </a:rPr>
+              <a:t>在一个对象实例上调用</a:t>
+            </a:r>
+            <a:endParaRPr lang="en-US" altLang="zh-CN" sz="2800" dirty="0" smtClean="0">
+              <a:solidFill>
+                <a:srgbClr val="FF0000"/>
+              </a:solidFill>
+            </a:endParaRPr>
+          </a:p>
+          <a:p>
+            <a:endParaRPr lang="en-US" altLang="zh-CN" sz="2800" dirty="0">
+              <a:solidFill>
+                <a:srgbClr val="FF0000"/>
+              </a:solidFill>
+            </a:endParaRPr>
           </a:p>
           <a:p>
             <a:pPr marL="342900" indent="-342900">
@@ -9412,10 +9434,18 @@
               <a:buChar char="•"/>
             </a:pPr>
             <a:r>
-              <a:rPr lang="zh-CN" altLang="en-US" sz="2000" dirty="0" smtClean="0"/>
+              <a:rPr lang="zh-CN" altLang="en-US" sz="2800" dirty="0" smtClean="0">
+                <a:solidFill>
+                  <a:srgbClr val="FF0000"/>
+                </a:solidFill>
+              </a:rPr>
               <a:t>可以访问实例属性和类属性</a:t>
             </a:r>
-            <a:endParaRPr lang="en-US" altLang="zh-CN" sz="2000" dirty="0" smtClean="0"/>
+            <a:endParaRPr lang="en-US" altLang="zh-CN" sz="2800" dirty="0" smtClean="0">
+              <a:solidFill>
+                <a:srgbClr val="FF0000"/>
+              </a:solidFill>
+            </a:endParaRPr>
           </a:p>
           <a:p>
             <a:pPr>
@@ -9423,7 +9453,11 @@
                 <a:spcPct val="150000"/>
               </a:lnSpc>
             </a:pPr>
-            <a:endParaRPr lang="en-US" altLang="zh-CN" sz="2000" dirty="0" smtClean="0"/>
+            <a:endParaRPr lang="en-US" altLang="zh-CN" sz="2000" dirty="0" smtClean="0">
+              <a:solidFill>
+                <a:srgbClr val="FF0000"/>
+              </a:solidFill>
+            </a:endParaRPr>
           </a:p>
         </p:txBody>
       </p:sp>
@@ -10016,7 +10050,7 @@
         <p:spPr>
           <a:xfrm>
             <a:off x="3254067" y="1361666"/>
-            <a:ext cx="6991005" cy="2108269"/>
+            <a:ext cx="6991005" cy="2246769"/>
           </a:xfrm>
           <a:prstGeom prst="rect">
             <a:avLst/>
@@ -10075,22 +10109,23 @@
             </a:pPr>
             <a:r>
               <a:rPr lang="zh-CN" altLang="en-US" sz="2000" dirty="0" smtClean="0"/>
-              <a:t>因此：在方法内部对数据的修改对外部调用方是可见的</a:t>
-            </a:r>
-          </a:p>
-          <a:p>
-            <a:pPr marL="342900" indent="342900">
+              <a:t>因此：在方法内部对数据的修改对外部调用方是可见</a:t>
+            </a:r>
+            <a:r>
+              <a:rPr lang="zh-CN" altLang="en-US" sz="2000" dirty="0" smtClean="0"/>
+              <a:t>的</a:t>
+            </a:r>
+            <a:endParaRPr lang="en-US" altLang="zh-CN" sz="2000" dirty="0"/>
+          </a:p>
+          <a:p>
+            <a:pPr marL="342900" indent="-342900">
               <a:lnSpc>
                 <a:spcPct val="150000"/>
               </a:lnSpc>
               <a:buFont typeface="Arial" panose="020B0604020202020204" pitchFamily="34" charset="0"/>
               <a:buChar char="•"/>
             </a:pPr>
-            <a:r>
-              <a:rPr lang="zh-CN" altLang="en-US" sz="1400" dirty="0" smtClean="0"/>
-              <a:t>对象内部的原始数据和对象都满足</a:t>
-            </a:r>
-            <a:endParaRPr lang="en-US" altLang="zh-CN" sz="1400" dirty="0" smtClean="0"/>
+            <a:endParaRPr lang="zh-CN" altLang="en-US" sz="2000" dirty="0" smtClean="0"/>
           </a:p>
         </p:txBody>
       </p:sp>
@@ -10727,7 +10762,7 @@
         <p:spPr>
           <a:xfrm>
             <a:off x="2593570" y="1686881"/>
-            <a:ext cx="6991005" cy="2554545"/>
+            <a:ext cx="6991005" cy="2739211"/>
           </a:xfrm>
           <a:prstGeom prst="rect">
             <a:avLst/>
@@ -10743,10 +10778,18 @@
           <a:lstStyle/>
           <a:p>
             <a:r>
-              <a:rPr lang="zh-CN" altLang="en-US" sz="2000" dirty="0" smtClean="0"/>
+              <a:rPr lang="zh-CN" altLang="en-US" sz="3200" dirty="0" smtClean="0">
+                <a:solidFill>
+                  <a:srgbClr val="FF0000"/>
+                </a:solidFill>
+              </a:rPr>
               <a:t>对象是类的实例</a:t>
             </a:r>
-            <a:endParaRPr lang="en-US" altLang="zh-CN" sz="2000" dirty="0" smtClean="0"/>
+            <a:endParaRPr lang="en-US" altLang="zh-CN" sz="3200" dirty="0" smtClean="0">
+              <a:solidFill>
+                <a:srgbClr val="FF0000"/>
+              </a:solidFill>
+            </a:endParaRPr>
           </a:p>
           <a:p>
             <a:pPr marL="171450" indent="-171450">
@@ -10773,11 +10816,7 @@
             </a:r>
             <a:r>
               <a:rPr lang="zh-CN" altLang="en-US" sz="2000" dirty="0" smtClean="0"/>
-              <a:t>中的</a:t>
-            </a:r>
-            <a:r>
-              <a:rPr lang="zh-CN" altLang="en-US" sz="2000" dirty="0" smtClean="0"/>
-              <a:t>内存。</a:t>
+              <a:t>中的内存。</a:t>
             </a:r>
             <a:endParaRPr lang="en-US" altLang="zh-CN" sz="2000" dirty="0"/>
           </a:p>
@@ -10809,7 +10848,19 @@
             </a:pPr>
             <a:r>
               <a:rPr lang="zh-CN" altLang="en-US" sz="2000" dirty="0" smtClean="0"/>
-              <a:t>代码中我们使用对象的引用来操纵实例。</a:t>
+              <a:t>代码中我们使用对象的</a:t>
+            </a:r>
+            <a:r>
+              <a:rPr lang="zh-CN" altLang="en-US" sz="2000" dirty="0" smtClean="0">
+                <a:solidFill>
+                  <a:srgbClr val="FF0000"/>
+                </a:solidFill>
+              </a:rPr>
+              <a:t>引用</a:t>
+            </a:r>
+            <a:r>
+              <a:rPr lang="zh-CN" altLang="en-US" sz="2000" dirty="0" smtClean="0"/>
+              <a:t>来操纵实例。</a:t>
             </a:r>
             <a:endParaRPr lang="en-US" altLang="zh-CN" sz="2000" dirty="0"/>
           </a:p>
@@ -11100,12 +11151,28 @@
               <a:t>这个关键词“</a:t>
             </a:r>
             <a:r>
-              <a:rPr lang="en-US" altLang="zh-CN" sz="2000" dirty="0"/>
+              <a:rPr lang="en-US" altLang="zh-CN" sz="2000" dirty="0">
+                <a:solidFill>
+                  <a:srgbClr val="FF0000"/>
+                </a:solidFill>
+              </a:rPr>
               <a:t>this</a:t>
             </a:r>
             <a:r>
               <a:rPr lang="zh-CN" altLang="en-US" sz="2000" dirty="0" smtClean="0"/>
-              <a:t>”表示指向当前正在执行实例方法的对象</a:t>
+              <a:t>”表示指向当前</a:t>
+            </a:r>
+            <a:r>
+              <a:rPr lang="zh-CN" altLang="en-US" sz="2000" dirty="0" smtClean="0">
+                <a:solidFill>
+                  <a:srgbClr val="FF0000"/>
+                </a:solidFill>
+              </a:rPr>
+              <a:t>正在执行</a:t>
+            </a:r>
+            <a:r>
+              <a:rPr lang="zh-CN" altLang="en-US" sz="2000" dirty="0" smtClean="0"/>
+              <a:t>实例方法的对象</a:t>
             </a:r>
             <a:r>
               <a:rPr lang="en-US" altLang="zh-CN" sz="2000" dirty="0" smtClean="0"/>
@@ -11533,7 +11600,6 @@
               <a:rPr lang="en-US" altLang="zh-CN" sz="2000" dirty="0"/>
               <a:t>}</a:t>
             </a:r>
-            <a:endParaRPr lang="en-US" altLang="zh-CN" sz="2000" dirty="0"/>
           </a:p>
           <a:p>
             <a:endParaRPr lang="en-US" altLang="zh-CN" sz="2000" dirty="0"/>
@@ -13926,7 +13992,11 @@
             </a:pPr>
             <a:r>
               <a:rPr lang="zh-CN" altLang="en-US" sz="2000" dirty="0" smtClean="0"/>
-              <a:t>没有方法可以这样做（如</a:t>
+              <a:t>没有改变形态的方法，（</a:t>
+            </a:r>
+            <a:r>
+              <a:rPr lang="zh-CN" altLang="en-US" sz="2000" dirty="0" smtClean="0"/>
+              <a:t>如</a:t>
             </a:r>
             <a:r>
               <a:rPr lang="en-US" altLang="zh-CN" sz="2000" dirty="0" smtClean="0"/>
@@ -13950,7 +14020,15 @@
             </a:r>
             <a:r>
               <a:rPr lang="zh-CN" altLang="en-US" sz="2000" dirty="0" smtClean="0"/>
-              <a:t>类），称为不变类。</a:t>
+              <a:t>类</a:t>
+            </a:r>
+            <a:r>
+              <a:rPr lang="zh-CN" altLang="en-US" sz="2000" dirty="0" smtClean="0"/>
+              <a:t>），这样的类称为</a:t>
+            </a:r>
+            <a:r>
+              <a:rPr lang="zh-CN" altLang="en-US" sz="2000" dirty="0" smtClean="0"/>
+              <a:t>不变类。</a:t>
             </a:r>
             <a:endParaRPr lang="en-US" altLang="zh-CN" sz="2000" dirty="0"/>
           </a:p>
@@ -14255,11 +14333,7 @@
             </a:r>
             <a:r>
               <a:rPr lang="zh-CN" altLang="en-US" sz="2000" dirty="0" smtClean="0"/>
-              <a:t>对象的形态是什么样的呢</a:t>
-            </a:r>
-            <a:r>
-              <a:rPr lang="zh-CN" altLang="en-US" sz="2000" dirty="0" smtClean="0"/>
-              <a:t>。</a:t>
+              <a:t>对象的形态是什么样的呢。</a:t>
             </a:r>
             <a:endParaRPr lang="en-US" altLang="zh-CN" sz="2000" dirty="0"/>
           </a:p>
@@ -14586,11 +14660,7 @@
             </a:r>
             <a:r>
               <a:rPr lang="zh-CN" altLang="en-US" sz="2000" dirty="0" smtClean="0"/>
-              <a:t>对象的形态是什么样的呢</a:t>
-            </a:r>
-            <a:r>
-              <a:rPr lang="zh-CN" altLang="en-US" sz="2000" dirty="0" smtClean="0"/>
-              <a:t>。</a:t>
+              <a:t>对象的形态是什么样的呢。</a:t>
             </a:r>
             <a:endParaRPr lang="en-US" altLang="zh-CN" sz="2000" dirty="0"/>
           </a:p>
@@ -14950,7 +15020,6 @@
               <a:rPr lang="en-US" altLang="zh-CN" sz="2000" dirty="0"/>
               <a:t>(parameters) </a:t>
             </a:r>
-            <a:endParaRPr lang="en-US" altLang="zh-CN" sz="2000" dirty="0"/>
           </a:p>
         </p:txBody>
       </p:sp>
@@ -15298,8 +15367,16 @@
               <a:t>  </a:t>
             </a:r>
             <a:r>
+              <a:rPr lang="zh-CN" altLang="en-US" sz="2000" dirty="0" smtClean="0">
+                <a:solidFill>
+                  <a:srgbClr val="00B050"/>
+                </a:solidFill>
+              </a:rPr>
+              <a:t>进入方法时认为对象是一致的</a:t>
+            </a:r>
+            <a:r>
               <a:rPr lang="zh-CN" altLang="en-US" sz="2000" dirty="0" smtClean="0"/>
-              <a:t>进入方法时认为对象是一致的。</a:t>
+              <a:t>。</a:t>
             </a:r>
             <a:endParaRPr lang="en-US" altLang="zh-CN" sz="2000" dirty="0" smtClean="0"/>
           </a:p>
@@ -15602,11 +15679,7 @@
             </a:r>
             <a:r>
               <a:rPr lang="zh-CN" altLang="en-US" sz="2000" dirty="0" smtClean="0"/>
-              <a:t>对象取值和赋值的例子</a:t>
-            </a:r>
-            <a:r>
-              <a:rPr lang="zh-CN" altLang="en-US" sz="2000" dirty="0" smtClean="0"/>
-              <a:t>。</a:t>
+              <a:t>对象取值和赋值的例子。</a:t>
             </a:r>
             <a:endParaRPr lang="en-US" altLang="zh-CN" sz="2000" dirty="0" smtClean="0"/>
           </a:p>
